--- a/MicroService Course/3.RestFulWSCreation/4.ReturningABeanInsteadOfString.pptx
+++ b/MicroService Course/3.RestFulWSCreation/4.ReturningABeanInsteadOfString.pptx
@@ -262,7 +262,7 @@
           <a:p>
             <a:fld id="{26F8F66C-A7E4-4D78-85AA-C21AE93371D5}" type="datetimeFigureOut">
               <a:rPr lang="en-IN" smtClean="0"/>
-              <a:t>24-12-2021</a:t>
+              <a:t>25-01-2022</a:t>
             </a:fld>
             <a:endParaRPr lang="en-IN"/>
           </a:p>
@@ -462,7 +462,7 @@
           <a:p>
             <a:fld id="{26F8F66C-A7E4-4D78-85AA-C21AE93371D5}" type="datetimeFigureOut">
               <a:rPr lang="en-IN" smtClean="0"/>
-              <a:t>24-12-2021</a:t>
+              <a:t>25-01-2022</a:t>
             </a:fld>
             <a:endParaRPr lang="en-IN"/>
           </a:p>
@@ -672,7 +672,7 @@
           <a:p>
             <a:fld id="{26F8F66C-A7E4-4D78-85AA-C21AE93371D5}" type="datetimeFigureOut">
               <a:rPr lang="en-IN" smtClean="0"/>
-              <a:t>24-12-2021</a:t>
+              <a:t>25-01-2022</a:t>
             </a:fld>
             <a:endParaRPr lang="en-IN"/>
           </a:p>
@@ -872,7 +872,7 @@
           <a:p>
             <a:fld id="{26F8F66C-A7E4-4D78-85AA-C21AE93371D5}" type="datetimeFigureOut">
               <a:rPr lang="en-IN" smtClean="0"/>
-              <a:t>24-12-2021</a:t>
+              <a:t>25-01-2022</a:t>
             </a:fld>
             <a:endParaRPr lang="en-IN"/>
           </a:p>
@@ -1148,7 +1148,7 @@
           <a:p>
             <a:fld id="{26F8F66C-A7E4-4D78-85AA-C21AE93371D5}" type="datetimeFigureOut">
               <a:rPr lang="en-IN" smtClean="0"/>
-              <a:t>24-12-2021</a:t>
+              <a:t>25-01-2022</a:t>
             </a:fld>
             <a:endParaRPr lang="en-IN"/>
           </a:p>
@@ -1416,7 +1416,7 @@
           <a:p>
             <a:fld id="{26F8F66C-A7E4-4D78-85AA-C21AE93371D5}" type="datetimeFigureOut">
               <a:rPr lang="en-IN" smtClean="0"/>
-              <a:t>24-12-2021</a:t>
+              <a:t>25-01-2022</a:t>
             </a:fld>
             <a:endParaRPr lang="en-IN"/>
           </a:p>
@@ -1831,7 +1831,7 @@
           <a:p>
             <a:fld id="{26F8F66C-A7E4-4D78-85AA-C21AE93371D5}" type="datetimeFigureOut">
               <a:rPr lang="en-IN" smtClean="0"/>
-              <a:t>24-12-2021</a:t>
+              <a:t>25-01-2022</a:t>
             </a:fld>
             <a:endParaRPr lang="en-IN"/>
           </a:p>
@@ -1973,7 +1973,7 @@
           <a:p>
             <a:fld id="{26F8F66C-A7E4-4D78-85AA-C21AE93371D5}" type="datetimeFigureOut">
               <a:rPr lang="en-IN" smtClean="0"/>
-              <a:t>24-12-2021</a:t>
+              <a:t>25-01-2022</a:t>
             </a:fld>
             <a:endParaRPr lang="en-IN"/>
           </a:p>
@@ -2086,7 +2086,7 @@
           <a:p>
             <a:fld id="{26F8F66C-A7E4-4D78-85AA-C21AE93371D5}" type="datetimeFigureOut">
               <a:rPr lang="en-IN" smtClean="0"/>
-              <a:t>24-12-2021</a:t>
+              <a:t>25-01-2022</a:t>
             </a:fld>
             <a:endParaRPr lang="en-IN"/>
           </a:p>
@@ -2399,7 +2399,7 @@
           <a:p>
             <a:fld id="{26F8F66C-A7E4-4D78-85AA-C21AE93371D5}" type="datetimeFigureOut">
               <a:rPr lang="en-IN" smtClean="0"/>
-              <a:t>24-12-2021</a:t>
+              <a:t>25-01-2022</a:t>
             </a:fld>
             <a:endParaRPr lang="en-IN"/>
           </a:p>
@@ -2688,7 +2688,7 @@
           <a:p>
             <a:fld id="{26F8F66C-A7E4-4D78-85AA-C21AE93371D5}" type="datetimeFigureOut">
               <a:rPr lang="en-IN" smtClean="0"/>
-              <a:t>24-12-2021</a:t>
+              <a:t>25-01-2022</a:t>
             </a:fld>
             <a:endParaRPr lang="en-IN"/>
           </a:p>
@@ -2931,7 +2931,7 @@
           <a:p>
             <a:fld id="{26F8F66C-A7E4-4D78-85AA-C21AE93371D5}" type="datetimeFigureOut">
               <a:rPr lang="en-IN" smtClean="0"/>
-              <a:t>24-12-2021</a:t>
+              <a:t>25-01-2022</a:t>
             </a:fld>
             <a:endParaRPr lang="en-IN"/>
           </a:p>
@@ -4046,15 +4046,7 @@
           <a:p>
             <a:r>
               <a:rPr lang="en-US" dirty="0"/>
-              <a:t>If we don’t </a:t>
-            </a:r>
-            <a:r>
-              <a:rPr lang="en-US" dirty="0" err="1"/>
-              <a:t>specigy</a:t>
-            </a:r>
-            <a:r>
-              <a:rPr lang="en-US" dirty="0"/>
-              <a:t> getter in a bean, we will get below error</a:t>
+              <a:t>If we don’t specify  getter in a bean, we will get below error</a:t>
             </a:r>
           </a:p>
           <a:p>
